--- a/image/PPT.pptx
+++ b/image/PPT.pptx
@@ -7,6 +7,9 @@
   <p:sldIdLst>
     <p:sldId id="256" r:id="rId2"/>
     <p:sldId id="257" r:id="rId3"/>
+    <p:sldId id="258" r:id="rId4"/>
+    <p:sldId id="259" r:id="rId5"/>
+    <p:sldId id="260" r:id="rId6"/>
   </p:sldIdLst>
   <p:sldSz cx="9144000" cy="6858000" type="screen4x3"/>
   <p:notesSz cx="6858000" cy="9144000"/>
@@ -3208,10 +3211,268 @@
           <a:chExt cx="0" cy="0"/>
         </a:xfrm>
       </p:grpSpPr>
+      <p:pic>
+        <p:nvPicPr>
+          <p:cNvPr id="1026" name="Picture 2" descr="https://assets.juksy.com/files/articles/77188/800x_100_w-5abe0fca2cee3.jpg"/>
+          <p:cNvPicPr>
+            <a:picLocks noChangeAspect="1" noChangeArrowheads="1"/>
+          </p:cNvPicPr>
+          <p:nvPr/>
+        </p:nvPicPr>
+        <p:blipFill>
+          <a:blip r:embed="rId2">
+            <a:extLst>
+              <a:ext uri="{28A0092B-C50C-407E-A947-70E740481C1C}">
+                <a14:useLocalDpi xmlns:a14="http://schemas.microsoft.com/office/drawing/2010/main" val="0"/>
+              </a:ext>
+            </a:extLst>
+          </a:blip>
+          <a:srcRect/>
+          <a:stretch>
+            <a:fillRect/>
+          </a:stretch>
+        </p:blipFill>
+        <p:spPr bwMode="auto">
+          <a:xfrm>
+            <a:off x="-1260648" y="-1395536"/>
+            <a:ext cx="7620000" cy="11353800"/>
+          </a:xfrm>
+          <a:prstGeom prst="rect">
+            <a:avLst/>
+          </a:prstGeom>
+          <a:noFill/>
+          <a:extLst>
+            <a:ext uri="{909E8E84-426E-40DD-AFC4-6F175D3DCCD1}">
+              <a14:hiddenFill xmlns:a14="http://schemas.microsoft.com/office/drawing/2010/main">
+                <a:solidFill>
+                  <a:srgbClr val="FFFFFF"/>
+                </a:solidFill>
+              </a14:hiddenFill>
+            </a:ext>
+          </a:extLst>
+        </p:spPr>
+      </p:pic>
+      <p:sp>
+        <p:nvSpPr>
+          <p:cNvPr id="3" name="矩形 2"/>
+          <p:cNvSpPr/>
+          <p:nvPr/>
+        </p:nvSpPr>
+        <p:spPr>
+          <a:xfrm>
+            <a:off x="5508104" y="-963488"/>
+            <a:ext cx="504056" cy="1728192"/>
+          </a:xfrm>
+          <a:prstGeom prst="rect">
+            <a:avLst/>
+          </a:prstGeom>
+          <a:solidFill>
+            <a:schemeClr val="accent1"/>
+          </a:solidFill>
+          <a:ln>
+            <a:noFill/>
+          </a:ln>
+        </p:spPr>
+        <p:style>
+          <a:lnRef idx="2">
+            <a:schemeClr val="accent1">
+              <a:shade val="50000"/>
+            </a:schemeClr>
+          </a:lnRef>
+          <a:fillRef idx="1">
+            <a:schemeClr val="accent1"/>
+          </a:fillRef>
+          <a:effectRef idx="0">
+            <a:schemeClr val="accent1"/>
+          </a:effectRef>
+          <a:fontRef idx="minor">
+            <a:schemeClr val="lt1"/>
+          </a:fontRef>
+        </p:style>
+        <p:txBody>
+          <a:bodyPr rtlCol="0" anchor="ctr"/>
+          <a:lstStyle/>
+          <a:p>
+            <a:pPr algn="ctr"/>
+            <a:endParaRPr lang="zh-TW" altLang="en-US"/>
+          </a:p>
+        </p:txBody>
+      </p:sp>
     </p:spTree>
     <p:extLst>
       <p:ext uri="{BB962C8B-B14F-4D97-AF65-F5344CB8AC3E}">
         <p14:creationId xmlns:p14="http://schemas.microsoft.com/office/powerpoint/2010/main" val="219623968"/>
+      </p:ext>
+    </p:extLst>
+  </p:cSld>
+  <p:clrMapOvr>
+    <a:masterClrMapping/>
+  </p:clrMapOvr>
+</p:sld>
+</file>
+
+<file path=ppt/slides/slide3.xml><?xml version="1.0" encoding="utf-8"?>
+<p:sld xmlns:a="http://schemas.openxmlformats.org/drawingml/2006/main" xmlns:r="http://schemas.openxmlformats.org/officeDocument/2006/relationships" xmlns:p="http://schemas.openxmlformats.org/presentationml/2006/main">
+  <p:cSld>
+    <p:spTree>
+      <p:nvGrpSpPr>
+        <p:cNvPr id="1" name=""/>
+        <p:cNvGrpSpPr/>
+        <p:nvPr/>
+      </p:nvGrpSpPr>
+      <p:grpSpPr>
+        <a:xfrm>
+          <a:off x="0" y="0"/>
+          <a:ext cx="0" cy="0"/>
+          <a:chOff x="0" y="0"/>
+          <a:chExt cx="0" cy="0"/>
+        </a:xfrm>
+      </p:grpSpPr>
+      <p:pic>
+        <p:nvPicPr>
+          <p:cNvPr id="2050" name="Picture 2" descr="https://assets.juksy.com/files/articles/77188/800x_100_w-5abe0fca5b43f.jpg"/>
+          <p:cNvPicPr>
+            <a:picLocks noChangeAspect="1" noChangeArrowheads="1"/>
+          </p:cNvPicPr>
+          <p:nvPr/>
+        </p:nvPicPr>
+        <p:blipFill>
+          <a:blip r:embed="rId2">
+            <a:extLst>
+              <a:ext uri="{28A0092B-C50C-407E-A947-70E740481C1C}">
+                <a14:useLocalDpi xmlns:a14="http://schemas.microsoft.com/office/drawing/2010/main" val="0"/>
+              </a:ext>
+            </a:extLst>
+          </a:blip>
+          <a:srcRect/>
+          <a:stretch>
+            <a:fillRect/>
+          </a:stretch>
+        </p:blipFill>
+        <p:spPr bwMode="auto">
+          <a:xfrm>
+            <a:off x="155575" y="-6415088"/>
+            <a:ext cx="7620000" cy="13373101"/>
+          </a:xfrm>
+          <a:prstGeom prst="rect">
+            <a:avLst/>
+          </a:prstGeom>
+          <a:noFill/>
+          <a:extLst>
+            <a:ext uri="{909E8E84-426E-40DD-AFC4-6F175D3DCCD1}">
+              <a14:hiddenFill xmlns:a14="http://schemas.microsoft.com/office/drawing/2010/main">
+                <a:solidFill>
+                  <a:srgbClr val="FFFFFF"/>
+                </a:solidFill>
+              </a14:hiddenFill>
+            </a:ext>
+          </a:extLst>
+        </p:spPr>
+      </p:pic>
+      <p:sp>
+        <p:nvSpPr>
+          <p:cNvPr id="2" name="矩形 1"/>
+          <p:cNvSpPr/>
+          <p:nvPr/>
+        </p:nvSpPr>
+        <p:spPr>
+          <a:xfrm>
+            <a:off x="4572000" y="-3483768"/>
+            <a:ext cx="720080" cy="1368152"/>
+          </a:xfrm>
+          <a:prstGeom prst="rect">
+            <a:avLst/>
+          </a:prstGeom>
+        </p:spPr>
+        <p:style>
+          <a:lnRef idx="2">
+            <a:schemeClr val="accent1">
+              <a:shade val="50000"/>
+            </a:schemeClr>
+          </a:lnRef>
+          <a:fillRef idx="1">
+            <a:schemeClr val="accent1"/>
+          </a:fillRef>
+          <a:effectRef idx="0">
+            <a:schemeClr val="accent1"/>
+          </a:effectRef>
+          <a:fontRef idx="minor">
+            <a:schemeClr val="lt1"/>
+          </a:fontRef>
+        </p:style>
+        <p:txBody>
+          <a:bodyPr rtlCol="0" anchor="ctr"/>
+          <a:lstStyle/>
+          <a:p>
+            <a:pPr algn="ctr"/>
+            <a:endParaRPr lang="zh-TW" altLang="en-US"/>
+          </a:p>
+        </p:txBody>
+      </p:sp>
+    </p:spTree>
+    <p:extLst>
+      <p:ext uri="{BB962C8B-B14F-4D97-AF65-F5344CB8AC3E}">
+        <p14:creationId xmlns:p14="http://schemas.microsoft.com/office/powerpoint/2010/main" val="2930971233"/>
+      </p:ext>
+    </p:extLst>
+  </p:cSld>
+  <p:clrMapOvr>
+    <a:masterClrMapping/>
+  </p:clrMapOvr>
+</p:sld>
+</file>
+
+<file path=ppt/slides/slide4.xml><?xml version="1.0" encoding="utf-8"?>
+<p:sld xmlns:a="http://schemas.openxmlformats.org/drawingml/2006/main" xmlns:r="http://schemas.openxmlformats.org/officeDocument/2006/relationships" xmlns:p="http://schemas.openxmlformats.org/presentationml/2006/main">
+  <p:cSld>
+    <p:spTree>
+      <p:nvGrpSpPr>
+        <p:cNvPr id="1" name=""/>
+        <p:cNvGrpSpPr/>
+        <p:nvPr/>
+      </p:nvGrpSpPr>
+      <p:grpSpPr>
+        <a:xfrm>
+          <a:off x="0" y="0"/>
+          <a:ext cx="0" cy="0"/>
+          <a:chOff x="0" y="0"/>
+          <a:chExt cx="0" cy="0"/>
+        </a:xfrm>
+      </p:grpSpPr>
+    </p:spTree>
+    <p:extLst>
+      <p:ext uri="{BB962C8B-B14F-4D97-AF65-F5344CB8AC3E}">
+        <p14:creationId xmlns:p14="http://schemas.microsoft.com/office/powerpoint/2010/main" val="3494280836"/>
+      </p:ext>
+    </p:extLst>
+  </p:cSld>
+  <p:clrMapOvr>
+    <a:masterClrMapping/>
+  </p:clrMapOvr>
+</p:sld>
+</file>
+
+<file path=ppt/slides/slide5.xml><?xml version="1.0" encoding="utf-8"?>
+<p:sld xmlns:a="http://schemas.openxmlformats.org/drawingml/2006/main" xmlns:r="http://schemas.openxmlformats.org/officeDocument/2006/relationships" xmlns:p="http://schemas.openxmlformats.org/presentationml/2006/main">
+  <p:cSld>
+    <p:spTree>
+      <p:nvGrpSpPr>
+        <p:cNvPr id="1" name=""/>
+        <p:cNvGrpSpPr/>
+        <p:nvPr/>
+      </p:nvGrpSpPr>
+      <p:grpSpPr>
+        <a:xfrm>
+          <a:off x="0" y="0"/>
+          <a:ext cx="0" cy="0"/>
+          <a:chOff x="0" y="0"/>
+          <a:chExt cx="0" cy="0"/>
+        </a:xfrm>
+      </p:grpSpPr>
+    </p:spTree>
+    <p:extLst>
+      <p:ext uri="{BB962C8B-B14F-4D97-AF65-F5344CB8AC3E}">
+        <p14:creationId xmlns:p14="http://schemas.microsoft.com/office/powerpoint/2010/main" val="590966181"/>
       </p:ext>
     </p:extLst>
   </p:cSld>

--- a/image/PPT.pptx
+++ b/image/PPT.pptx
@@ -108,6 +108,22 @@
       </a:defRPr>
     </a:lvl9pPr>
   </p:defaultTextStyle>
+  <p:extLst>
+    <p:ext uri="{EFAFB233-063F-42B5-8137-9DF3F51BA10A}">
+      <p15:sldGuideLst xmlns:p15="http://schemas.microsoft.com/office/powerpoint/2012/main">
+        <p15:guide id="1" orient="horz" pos="2160">
+          <p15:clr>
+            <a:srgbClr val="A4A3A4"/>
+          </p15:clr>
+        </p15:guide>
+        <p15:guide id="2" pos="2880">
+          <p15:clr>
+            <a:srgbClr val="A4A3A4"/>
+          </p15:clr>
+        </p15:guide>
+      </p15:sldGuideLst>
+    </p:ext>
+  </p:extLst>
 </p:presentation>
 </file>
 
@@ -149,10 +165,9 @@
           <a:lstStyle/>
           <a:p>
             <a:r>
-              <a:rPr lang="zh-TW" altLang="en-US" smtClean="0"/>
+              <a:rPr lang="zh-TW" altLang="en-US"/>
               <a:t>按一下以編輯母片標題樣式</a:t>
             </a:r>
-            <a:endParaRPr lang="zh-TW" altLang="en-US"/>
           </a:p>
         </p:txBody>
       </p:sp>
@@ -268,10 +283,9 @@
           </a:lstStyle>
           <a:p>
             <a:r>
-              <a:rPr lang="zh-TW" altLang="en-US" smtClean="0"/>
+              <a:rPr lang="zh-TW" altLang="en-US"/>
               <a:t>按一下以編輯母片副標題樣式</a:t>
             </a:r>
-            <a:endParaRPr lang="zh-TW" altLang="en-US"/>
           </a:p>
         </p:txBody>
       </p:sp>
@@ -386,10 +400,9 @@
           <a:lstStyle/>
           <a:p>
             <a:r>
-              <a:rPr lang="zh-TW" altLang="en-US" smtClean="0"/>
+              <a:rPr lang="zh-TW" altLang="en-US"/>
               <a:t>按一下以編輯母片標題樣式</a:t>
             </a:r>
-            <a:endParaRPr lang="zh-TW" altLang="en-US"/>
           </a:p>
         </p:txBody>
       </p:sp>
@@ -410,38 +423,37 @@
           <a:p>
             <a:pPr lvl="0"/>
             <a:r>
-              <a:rPr lang="zh-TW" altLang="en-US" smtClean="0"/>
+              <a:rPr lang="zh-TW" altLang="en-US"/>
               <a:t>按一下以編輯母片文字樣式</a:t>
             </a:r>
           </a:p>
           <a:p>
             <a:pPr lvl="1"/>
             <a:r>
-              <a:rPr lang="zh-TW" altLang="en-US" smtClean="0"/>
+              <a:rPr lang="zh-TW" altLang="en-US"/>
               <a:t>第二層</a:t>
             </a:r>
           </a:p>
           <a:p>
             <a:pPr lvl="2"/>
             <a:r>
-              <a:rPr lang="zh-TW" altLang="en-US" smtClean="0"/>
+              <a:rPr lang="zh-TW" altLang="en-US"/>
               <a:t>第三層</a:t>
             </a:r>
           </a:p>
           <a:p>
             <a:pPr lvl="3"/>
             <a:r>
-              <a:rPr lang="zh-TW" altLang="en-US" smtClean="0"/>
+              <a:rPr lang="zh-TW" altLang="en-US"/>
               <a:t>第四層</a:t>
             </a:r>
           </a:p>
           <a:p>
             <a:pPr lvl="4"/>
             <a:r>
-              <a:rPr lang="zh-TW" altLang="en-US" smtClean="0"/>
+              <a:rPr lang="zh-TW" altLang="en-US"/>
               <a:t>第五層</a:t>
             </a:r>
-            <a:endParaRPr lang="zh-TW" altLang="en-US"/>
           </a:p>
         </p:txBody>
       </p:sp>
@@ -561,10 +573,9 @@
           <a:lstStyle/>
           <a:p>
             <a:r>
-              <a:rPr lang="zh-TW" altLang="en-US" smtClean="0"/>
+              <a:rPr lang="zh-TW" altLang="en-US"/>
               <a:t>按一下以編輯母片標題樣式</a:t>
             </a:r>
-            <a:endParaRPr lang="zh-TW" altLang="en-US"/>
           </a:p>
         </p:txBody>
       </p:sp>
@@ -590,38 +601,37 @@
           <a:p>
             <a:pPr lvl="0"/>
             <a:r>
-              <a:rPr lang="zh-TW" altLang="en-US" smtClean="0"/>
+              <a:rPr lang="zh-TW" altLang="en-US"/>
               <a:t>按一下以編輯母片文字樣式</a:t>
             </a:r>
           </a:p>
           <a:p>
             <a:pPr lvl="1"/>
             <a:r>
-              <a:rPr lang="zh-TW" altLang="en-US" smtClean="0"/>
+              <a:rPr lang="zh-TW" altLang="en-US"/>
               <a:t>第二層</a:t>
             </a:r>
           </a:p>
           <a:p>
             <a:pPr lvl="2"/>
             <a:r>
-              <a:rPr lang="zh-TW" altLang="en-US" smtClean="0"/>
+              <a:rPr lang="zh-TW" altLang="en-US"/>
               <a:t>第三層</a:t>
             </a:r>
           </a:p>
           <a:p>
             <a:pPr lvl="3"/>
             <a:r>
-              <a:rPr lang="zh-TW" altLang="en-US" smtClean="0"/>
+              <a:rPr lang="zh-TW" altLang="en-US"/>
               <a:t>第四層</a:t>
             </a:r>
           </a:p>
           <a:p>
             <a:pPr lvl="4"/>
             <a:r>
-              <a:rPr lang="zh-TW" altLang="en-US" smtClean="0"/>
+              <a:rPr lang="zh-TW" altLang="en-US"/>
               <a:t>第五層</a:t>
             </a:r>
-            <a:endParaRPr lang="zh-TW" altLang="en-US"/>
           </a:p>
         </p:txBody>
       </p:sp>
@@ -736,10 +746,9 @@
           <a:lstStyle/>
           <a:p>
             <a:r>
-              <a:rPr lang="zh-TW" altLang="en-US" smtClean="0"/>
+              <a:rPr lang="zh-TW" altLang="en-US"/>
               <a:t>按一下以編輯母片標題樣式</a:t>
             </a:r>
-            <a:endParaRPr lang="zh-TW" altLang="en-US"/>
           </a:p>
         </p:txBody>
       </p:sp>
@@ -760,38 +769,37 @@
           <a:p>
             <a:pPr lvl="0"/>
             <a:r>
-              <a:rPr lang="zh-TW" altLang="en-US" smtClean="0"/>
+              <a:rPr lang="zh-TW" altLang="en-US"/>
               <a:t>按一下以編輯母片文字樣式</a:t>
             </a:r>
           </a:p>
           <a:p>
             <a:pPr lvl="1"/>
             <a:r>
-              <a:rPr lang="zh-TW" altLang="en-US" smtClean="0"/>
+              <a:rPr lang="zh-TW" altLang="en-US"/>
               <a:t>第二層</a:t>
             </a:r>
           </a:p>
           <a:p>
             <a:pPr lvl="2"/>
             <a:r>
-              <a:rPr lang="zh-TW" altLang="en-US" smtClean="0"/>
+              <a:rPr lang="zh-TW" altLang="en-US"/>
               <a:t>第三層</a:t>
             </a:r>
           </a:p>
           <a:p>
             <a:pPr lvl="3"/>
             <a:r>
-              <a:rPr lang="zh-TW" altLang="en-US" smtClean="0"/>
+              <a:rPr lang="zh-TW" altLang="en-US"/>
               <a:t>第四層</a:t>
             </a:r>
           </a:p>
           <a:p>
             <a:pPr lvl="4"/>
             <a:r>
-              <a:rPr lang="zh-TW" altLang="en-US" smtClean="0"/>
+              <a:rPr lang="zh-TW" altLang="en-US"/>
               <a:t>第五層</a:t>
             </a:r>
-            <a:endParaRPr lang="zh-TW" altLang="en-US"/>
           </a:p>
         </p:txBody>
       </p:sp>
@@ -915,10 +923,9 @@
           </a:lstStyle>
           <a:p>
             <a:r>
-              <a:rPr lang="zh-TW" altLang="en-US" smtClean="0"/>
+              <a:rPr lang="zh-TW" altLang="en-US"/>
               <a:t>按一下以編輯母片標題樣式</a:t>
             </a:r>
-            <a:endParaRPr lang="zh-TW" altLang="en-US"/>
           </a:p>
         </p:txBody>
       </p:sp>
@@ -1035,7 +1042,7 @@
           <a:p>
             <a:pPr lvl="0"/>
             <a:r>
-              <a:rPr lang="zh-TW" altLang="en-US" smtClean="0"/>
+              <a:rPr lang="zh-TW" altLang="en-US"/>
               <a:t>按一下以編輯母片文字樣式</a:t>
             </a:r>
           </a:p>
@@ -1152,10 +1159,9 @@
           <a:lstStyle/>
           <a:p>
             <a:r>
-              <a:rPr lang="zh-TW" altLang="en-US" smtClean="0"/>
+              <a:rPr lang="zh-TW" altLang="en-US"/>
               <a:t>按一下以編輯母片標題樣式</a:t>
             </a:r>
-            <a:endParaRPr lang="zh-TW" altLang="en-US"/>
           </a:p>
         </p:txBody>
       </p:sp>
@@ -1209,38 +1215,37 @@
           <a:p>
             <a:pPr lvl="0"/>
             <a:r>
-              <a:rPr lang="zh-TW" altLang="en-US" smtClean="0"/>
+              <a:rPr lang="zh-TW" altLang="en-US"/>
               <a:t>按一下以編輯母片文字樣式</a:t>
             </a:r>
           </a:p>
           <a:p>
             <a:pPr lvl="1"/>
             <a:r>
-              <a:rPr lang="zh-TW" altLang="en-US" smtClean="0"/>
+              <a:rPr lang="zh-TW" altLang="en-US"/>
               <a:t>第二層</a:t>
             </a:r>
           </a:p>
           <a:p>
             <a:pPr lvl="2"/>
             <a:r>
-              <a:rPr lang="zh-TW" altLang="en-US" smtClean="0"/>
+              <a:rPr lang="zh-TW" altLang="en-US"/>
               <a:t>第三層</a:t>
             </a:r>
           </a:p>
           <a:p>
             <a:pPr lvl="3"/>
             <a:r>
-              <a:rPr lang="zh-TW" altLang="en-US" smtClean="0"/>
+              <a:rPr lang="zh-TW" altLang="en-US"/>
               <a:t>第四層</a:t>
             </a:r>
           </a:p>
           <a:p>
             <a:pPr lvl="4"/>
             <a:r>
-              <a:rPr lang="zh-TW" altLang="en-US" smtClean="0"/>
+              <a:rPr lang="zh-TW" altLang="en-US"/>
               <a:t>第五層</a:t>
             </a:r>
-            <a:endParaRPr lang="zh-TW" altLang="en-US"/>
           </a:p>
         </p:txBody>
       </p:sp>
@@ -1294,38 +1299,37 @@
           <a:p>
             <a:pPr lvl="0"/>
             <a:r>
-              <a:rPr lang="zh-TW" altLang="en-US" smtClean="0"/>
+              <a:rPr lang="zh-TW" altLang="en-US"/>
               <a:t>按一下以編輯母片文字樣式</a:t>
             </a:r>
           </a:p>
           <a:p>
             <a:pPr lvl="1"/>
             <a:r>
-              <a:rPr lang="zh-TW" altLang="en-US" smtClean="0"/>
+              <a:rPr lang="zh-TW" altLang="en-US"/>
               <a:t>第二層</a:t>
             </a:r>
           </a:p>
           <a:p>
             <a:pPr lvl="2"/>
             <a:r>
-              <a:rPr lang="zh-TW" altLang="en-US" smtClean="0"/>
+              <a:rPr lang="zh-TW" altLang="en-US"/>
               <a:t>第三層</a:t>
             </a:r>
           </a:p>
           <a:p>
             <a:pPr lvl="3"/>
             <a:r>
-              <a:rPr lang="zh-TW" altLang="en-US" smtClean="0"/>
+              <a:rPr lang="zh-TW" altLang="en-US"/>
               <a:t>第四層</a:t>
             </a:r>
           </a:p>
           <a:p>
             <a:pPr lvl="4"/>
             <a:r>
-              <a:rPr lang="zh-TW" altLang="en-US" smtClean="0"/>
+              <a:rPr lang="zh-TW" altLang="en-US"/>
               <a:t>第五層</a:t>
             </a:r>
-            <a:endParaRPr lang="zh-TW" altLang="en-US"/>
           </a:p>
         </p:txBody>
       </p:sp>
@@ -1444,10 +1448,9 @@
           </a:lstStyle>
           <a:p>
             <a:r>
-              <a:rPr lang="zh-TW" altLang="en-US" smtClean="0"/>
+              <a:rPr lang="zh-TW" altLang="en-US"/>
               <a:t>按一下以編輯母片標題樣式</a:t>
             </a:r>
-            <a:endParaRPr lang="zh-TW" altLang="en-US"/>
           </a:p>
         </p:txBody>
       </p:sp>
@@ -1510,7 +1513,7 @@
           <a:p>
             <a:pPr lvl="0"/>
             <a:r>
-              <a:rPr lang="zh-TW" altLang="en-US" smtClean="0"/>
+              <a:rPr lang="zh-TW" altLang="en-US"/>
               <a:t>按一下以編輯母片文字樣式</a:t>
             </a:r>
           </a:p>
@@ -1566,38 +1569,37 @@
           <a:p>
             <a:pPr lvl="0"/>
             <a:r>
-              <a:rPr lang="zh-TW" altLang="en-US" smtClean="0"/>
+              <a:rPr lang="zh-TW" altLang="en-US"/>
               <a:t>按一下以編輯母片文字樣式</a:t>
             </a:r>
           </a:p>
           <a:p>
             <a:pPr lvl="1"/>
             <a:r>
-              <a:rPr lang="zh-TW" altLang="en-US" smtClean="0"/>
+              <a:rPr lang="zh-TW" altLang="en-US"/>
               <a:t>第二層</a:t>
             </a:r>
           </a:p>
           <a:p>
             <a:pPr lvl="2"/>
             <a:r>
-              <a:rPr lang="zh-TW" altLang="en-US" smtClean="0"/>
+              <a:rPr lang="zh-TW" altLang="en-US"/>
               <a:t>第三層</a:t>
             </a:r>
           </a:p>
           <a:p>
             <a:pPr lvl="3"/>
             <a:r>
-              <a:rPr lang="zh-TW" altLang="en-US" smtClean="0"/>
+              <a:rPr lang="zh-TW" altLang="en-US"/>
               <a:t>第四層</a:t>
             </a:r>
           </a:p>
           <a:p>
             <a:pPr lvl="4"/>
             <a:r>
-              <a:rPr lang="zh-TW" altLang="en-US" smtClean="0"/>
+              <a:rPr lang="zh-TW" altLang="en-US"/>
               <a:t>第五層</a:t>
             </a:r>
-            <a:endParaRPr lang="zh-TW" altLang="en-US"/>
           </a:p>
         </p:txBody>
       </p:sp>
@@ -1660,7 +1662,7 @@
           <a:p>
             <a:pPr lvl="0"/>
             <a:r>
-              <a:rPr lang="zh-TW" altLang="en-US" smtClean="0"/>
+              <a:rPr lang="zh-TW" altLang="en-US"/>
               <a:t>按一下以編輯母片文字樣式</a:t>
             </a:r>
           </a:p>
@@ -1716,38 +1718,37 @@
           <a:p>
             <a:pPr lvl="0"/>
             <a:r>
-              <a:rPr lang="zh-TW" altLang="en-US" smtClean="0"/>
+              <a:rPr lang="zh-TW" altLang="en-US"/>
               <a:t>按一下以編輯母片文字樣式</a:t>
             </a:r>
           </a:p>
           <a:p>
             <a:pPr lvl="1"/>
             <a:r>
-              <a:rPr lang="zh-TW" altLang="en-US" smtClean="0"/>
+              <a:rPr lang="zh-TW" altLang="en-US"/>
               <a:t>第二層</a:t>
             </a:r>
           </a:p>
           <a:p>
             <a:pPr lvl="2"/>
             <a:r>
-              <a:rPr lang="zh-TW" altLang="en-US" smtClean="0"/>
+              <a:rPr lang="zh-TW" altLang="en-US"/>
               <a:t>第三層</a:t>
             </a:r>
           </a:p>
           <a:p>
             <a:pPr lvl="3"/>
             <a:r>
-              <a:rPr lang="zh-TW" altLang="en-US" smtClean="0"/>
+              <a:rPr lang="zh-TW" altLang="en-US"/>
               <a:t>第四層</a:t>
             </a:r>
           </a:p>
           <a:p>
             <a:pPr lvl="4"/>
             <a:r>
-              <a:rPr lang="zh-TW" altLang="en-US" smtClean="0"/>
+              <a:rPr lang="zh-TW" altLang="en-US"/>
               <a:t>第五層</a:t>
             </a:r>
-            <a:endParaRPr lang="zh-TW" altLang="en-US"/>
           </a:p>
         </p:txBody>
       </p:sp>
@@ -1862,10 +1863,9 @@
           <a:lstStyle/>
           <a:p>
             <a:r>
-              <a:rPr lang="zh-TW" altLang="en-US" smtClean="0"/>
+              <a:rPr lang="zh-TW" altLang="en-US"/>
               <a:t>按一下以編輯母片標題樣式</a:t>
             </a:r>
-            <a:endParaRPr lang="zh-TW" altLang="en-US"/>
           </a:p>
         </p:txBody>
       </p:sp>
@@ -2084,10 +2084,9 @@
           </a:lstStyle>
           <a:p>
             <a:r>
-              <a:rPr lang="zh-TW" altLang="en-US" smtClean="0"/>
+              <a:rPr lang="zh-TW" altLang="en-US"/>
               <a:t>按一下以編輯母片標題樣式</a:t>
             </a:r>
-            <a:endParaRPr lang="zh-TW" altLang="en-US"/>
           </a:p>
         </p:txBody>
       </p:sp>
@@ -2141,38 +2140,37 @@
           <a:p>
             <a:pPr lvl="0"/>
             <a:r>
-              <a:rPr lang="zh-TW" altLang="en-US" smtClean="0"/>
+              <a:rPr lang="zh-TW" altLang="en-US"/>
               <a:t>按一下以編輯母片文字樣式</a:t>
             </a:r>
           </a:p>
           <a:p>
             <a:pPr lvl="1"/>
             <a:r>
-              <a:rPr lang="zh-TW" altLang="en-US" smtClean="0"/>
+              <a:rPr lang="zh-TW" altLang="en-US"/>
               <a:t>第二層</a:t>
             </a:r>
           </a:p>
           <a:p>
             <a:pPr lvl="2"/>
             <a:r>
-              <a:rPr lang="zh-TW" altLang="en-US" smtClean="0"/>
+              <a:rPr lang="zh-TW" altLang="en-US"/>
               <a:t>第三層</a:t>
             </a:r>
           </a:p>
           <a:p>
             <a:pPr lvl="3"/>
             <a:r>
-              <a:rPr lang="zh-TW" altLang="en-US" smtClean="0"/>
+              <a:rPr lang="zh-TW" altLang="en-US"/>
               <a:t>第四層</a:t>
             </a:r>
           </a:p>
           <a:p>
             <a:pPr lvl="4"/>
             <a:r>
-              <a:rPr lang="zh-TW" altLang="en-US" smtClean="0"/>
+              <a:rPr lang="zh-TW" altLang="en-US"/>
               <a:t>第五層</a:t>
             </a:r>
-            <a:endParaRPr lang="zh-TW" altLang="en-US"/>
           </a:p>
         </p:txBody>
       </p:sp>
@@ -2235,7 +2233,7 @@
           <a:p>
             <a:pPr lvl="0"/>
             <a:r>
-              <a:rPr lang="zh-TW" altLang="en-US" smtClean="0"/>
+              <a:rPr lang="zh-TW" altLang="en-US"/>
               <a:t>按一下以編輯母片文字樣式</a:t>
             </a:r>
           </a:p>
@@ -2361,10 +2359,9 @@
           </a:lstStyle>
           <a:p>
             <a:r>
-              <a:rPr lang="zh-TW" altLang="en-US" smtClean="0"/>
+              <a:rPr lang="zh-TW" altLang="en-US"/>
               <a:t>按一下以編輯母片標題樣式</a:t>
             </a:r>
-            <a:endParaRPr lang="zh-TW" altLang="en-US"/>
           </a:p>
         </p:txBody>
       </p:sp>
@@ -2488,7 +2485,7 @@
           <a:p>
             <a:pPr lvl="0"/>
             <a:r>
-              <a:rPr lang="zh-TW" altLang="en-US" smtClean="0"/>
+              <a:rPr lang="zh-TW" altLang="en-US"/>
               <a:t>按一下以編輯母片文字樣式</a:t>
             </a:r>
           </a:p>
@@ -2620,10 +2617,9 @@
           <a:lstStyle/>
           <a:p>
             <a:r>
-              <a:rPr lang="zh-TW" altLang="en-US" smtClean="0"/>
+              <a:rPr lang="zh-TW" altLang="en-US"/>
               <a:t>按一下以編輯母片標題樣式</a:t>
             </a:r>
-            <a:endParaRPr lang="zh-TW" altLang="en-US"/>
           </a:p>
         </p:txBody>
       </p:sp>
@@ -2654,38 +2650,37 @@
           <a:p>
             <a:pPr lvl="0"/>
             <a:r>
-              <a:rPr lang="zh-TW" altLang="en-US" smtClean="0"/>
+              <a:rPr lang="zh-TW" altLang="en-US"/>
               <a:t>按一下以編輯母片文字樣式</a:t>
             </a:r>
           </a:p>
           <a:p>
             <a:pPr lvl="1"/>
             <a:r>
-              <a:rPr lang="zh-TW" altLang="en-US" smtClean="0"/>
+              <a:rPr lang="zh-TW" altLang="en-US"/>
               <a:t>第二層</a:t>
             </a:r>
           </a:p>
           <a:p>
             <a:pPr lvl="2"/>
             <a:r>
-              <a:rPr lang="zh-TW" altLang="en-US" smtClean="0"/>
+              <a:rPr lang="zh-TW" altLang="en-US"/>
               <a:t>第三層</a:t>
             </a:r>
           </a:p>
           <a:p>
             <a:pPr lvl="3"/>
             <a:r>
-              <a:rPr lang="zh-TW" altLang="en-US" smtClean="0"/>
+              <a:rPr lang="zh-TW" altLang="en-US"/>
               <a:t>第四層</a:t>
             </a:r>
           </a:p>
           <a:p>
             <a:pPr lvl="4"/>
             <a:r>
-              <a:rPr lang="zh-TW" altLang="en-US" smtClean="0"/>
+              <a:rPr lang="zh-TW" altLang="en-US"/>
               <a:t>第五層</a:t>
             </a:r>
-            <a:endParaRPr lang="zh-TW" altLang="en-US"/>
           </a:p>
         </p:txBody>
       </p:sp>
@@ -3211,93 +3206,155 @@
           <a:chExt cx="0" cy="0"/>
         </a:xfrm>
       </p:grpSpPr>
-      <p:pic>
-        <p:nvPicPr>
-          <p:cNvPr id="1026" name="Picture 2" descr="https://assets.juksy.com/files/articles/77188/800x_100_w-5abe0fca2cee3.jpg"/>
-          <p:cNvPicPr>
-            <a:picLocks noChangeAspect="1" noChangeArrowheads="1"/>
-          </p:cNvPicPr>
-          <p:nvPr/>
-        </p:nvPicPr>
-        <p:blipFill>
-          <a:blip r:embed="rId2">
+      <p:grpSp>
+        <p:nvGrpSpPr>
+          <p:cNvPr id="4" name="群組 3">
             <a:extLst>
-              <a:ext uri="{28A0092B-C50C-407E-A947-70E740481C1C}">
-                <a14:useLocalDpi xmlns:a14="http://schemas.microsoft.com/office/drawing/2010/main" val="0"/>
+              <a:ext uri="{FF2B5EF4-FFF2-40B4-BE49-F238E27FC236}">
+                <a16:creationId xmlns:a16="http://schemas.microsoft.com/office/drawing/2014/main" id="{4D767E70-44D0-461B-9BC4-E15A2BF395A9}"/>
               </a:ext>
             </a:extLst>
-          </a:blip>
-          <a:srcRect/>
-          <a:stretch>
-            <a:fillRect/>
-          </a:stretch>
-        </p:blipFill>
-        <p:spPr bwMode="auto">
+          </p:cNvPr>
+          <p:cNvGrpSpPr/>
+          <p:nvPr/>
+        </p:nvGrpSpPr>
+        <p:grpSpPr>
           <a:xfrm>
             <a:off x="-1260648" y="-1395536"/>
             <a:ext cx="7620000" cy="11353800"/>
+            <a:chOff x="-1260648" y="-1395536"/>
+            <a:chExt cx="7620000" cy="11353800"/>
           </a:xfrm>
-          <a:prstGeom prst="rect">
-            <a:avLst/>
-          </a:prstGeom>
-          <a:noFill/>
-          <a:extLst>
-            <a:ext uri="{909E8E84-426E-40DD-AFC4-6F175D3DCCD1}">
-              <a14:hiddenFill xmlns:a14="http://schemas.microsoft.com/office/drawing/2010/main">
-                <a:solidFill>
-                  <a:srgbClr val="FFFFFF"/>
-                </a:solidFill>
-              </a14:hiddenFill>
-            </a:ext>
-          </a:extLst>
-        </p:spPr>
-      </p:pic>
-      <p:sp>
-        <p:nvSpPr>
-          <p:cNvPr id="3" name="矩形 2"/>
-          <p:cNvSpPr/>
-          <p:nvPr/>
-        </p:nvSpPr>
-        <p:spPr>
-          <a:xfrm>
-            <a:off x="5508104" y="-963488"/>
-            <a:ext cx="504056" cy="1728192"/>
-          </a:xfrm>
-          <a:prstGeom prst="rect">
-            <a:avLst/>
-          </a:prstGeom>
-          <a:solidFill>
-            <a:schemeClr val="accent1"/>
-          </a:solidFill>
-          <a:ln>
+        </p:grpSpPr>
+        <p:pic>
+          <p:nvPicPr>
+            <p:cNvPr id="1026" name="Picture 2" descr="https://assets.juksy.com/files/articles/77188/800x_100_w-5abe0fca2cee3.jpg"/>
+            <p:cNvPicPr>
+              <a:picLocks noChangeAspect="1" noChangeArrowheads="1"/>
+            </p:cNvPicPr>
+            <p:nvPr/>
+          </p:nvPicPr>
+          <p:blipFill>
+            <a:blip r:embed="rId2">
+              <a:extLst>
+                <a:ext uri="{28A0092B-C50C-407E-A947-70E740481C1C}">
+                  <a14:useLocalDpi xmlns:a14="http://schemas.microsoft.com/office/drawing/2010/main" val="0"/>
+                </a:ext>
+              </a:extLst>
+            </a:blip>
+            <a:srcRect/>
+            <a:stretch>
+              <a:fillRect/>
+            </a:stretch>
+          </p:blipFill>
+          <p:spPr bwMode="auto">
+            <a:xfrm>
+              <a:off x="-1260648" y="-1395536"/>
+              <a:ext cx="7620000" cy="11353800"/>
+            </a:xfrm>
+            <a:prstGeom prst="rect">
+              <a:avLst/>
+            </a:prstGeom>
             <a:noFill/>
-          </a:ln>
-        </p:spPr>
-        <p:style>
-          <a:lnRef idx="2">
-            <a:schemeClr val="accent1">
-              <a:shade val="50000"/>
-            </a:schemeClr>
-          </a:lnRef>
-          <a:fillRef idx="1">
-            <a:schemeClr val="accent1"/>
-          </a:fillRef>
-          <a:effectRef idx="0">
-            <a:schemeClr val="accent1"/>
-          </a:effectRef>
-          <a:fontRef idx="minor">
-            <a:schemeClr val="lt1"/>
-          </a:fontRef>
-        </p:style>
-        <p:txBody>
-          <a:bodyPr rtlCol="0" anchor="ctr"/>
-          <a:lstStyle/>
-          <a:p>
-            <a:pPr algn="ctr"/>
-            <a:endParaRPr lang="zh-TW" altLang="en-US"/>
-          </a:p>
-        </p:txBody>
-      </p:sp>
+            <a:extLst>
+              <a:ext uri="{909E8E84-426E-40DD-AFC4-6F175D3DCCD1}">
+                <a14:hiddenFill xmlns:a14="http://schemas.microsoft.com/office/drawing/2010/main">
+                  <a:solidFill>
+                    <a:srgbClr val="FFFFFF"/>
+                  </a:solidFill>
+                </a14:hiddenFill>
+              </a:ext>
+            </a:extLst>
+          </p:spPr>
+        </p:pic>
+        <p:sp>
+          <p:nvSpPr>
+            <p:cNvPr id="3" name="矩形 2"/>
+            <p:cNvSpPr/>
+            <p:nvPr/>
+          </p:nvSpPr>
+          <p:spPr>
+            <a:xfrm>
+              <a:off x="5580112" y="-963488"/>
+              <a:ext cx="504056" cy="1728192"/>
+            </a:xfrm>
+            <a:prstGeom prst="rect">
+              <a:avLst/>
+            </a:prstGeom>
+            <a:solidFill>
+              <a:srgbClr val="FEFEFE"/>
+            </a:solidFill>
+            <a:ln>
+              <a:noFill/>
+            </a:ln>
+          </p:spPr>
+          <p:style>
+            <a:lnRef idx="2">
+              <a:schemeClr val="accent1">
+                <a:shade val="50000"/>
+              </a:schemeClr>
+            </a:lnRef>
+            <a:fillRef idx="1">
+              <a:schemeClr val="accent1"/>
+            </a:fillRef>
+            <a:effectRef idx="0">
+              <a:schemeClr val="accent1"/>
+            </a:effectRef>
+            <a:fontRef idx="minor">
+              <a:schemeClr val="lt1"/>
+            </a:fontRef>
+          </p:style>
+          <p:txBody>
+            <a:bodyPr rtlCol="0" anchor="ctr"/>
+            <a:lstStyle/>
+            <a:p>
+              <a:pPr algn="ctr"/>
+              <a:endParaRPr lang="zh-TW" altLang="en-US"/>
+            </a:p>
+          </p:txBody>
+        </p:sp>
+        <p:sp>
+          <p:nvSpPr>
+            <p:cNvPr id="2" name="文字方塊 1">
+              <a:extLst>
+                <a:ext uri="{FF2B5EF4-FFF2-40B4-BE49-F238E27FC236}">
+                  <a16:creationId xmlns:a16="http://schemas.microsoft.com/office/drawing/2014/main" id="{12AF378C-2747-4502-BCFF-9E1E7DC9C97B}"/>
+                </a:ext>
+              </a:extLst>
+            </p:cNvPr>
+            <p:cNvSpPr txBox="1"/>
+            <p:nvPr/>
+          </p:nvSpPr>
+          <p:spPr>
+            <a:xfrm flipH="1">
+              <a:off x="5417512" y="-531440"/>
+              <a:ext cx="738664" cy="1080120"/>
+            </a:xfrm>
+            <a:prstGeom prst="rect">
+              <a:avLst/>
+            </a:prstGeom>
+            <a:noFill/>
+          </p:spPr>
+          <p:txBody>
+            <a:bodyPr vert="eaVert" wrap="square" rtlCol="0">
+              <a:spAutoFit/>
+            </a:bodyPr>
+            <a:lstStyle/>
+            <a:p>
+              <a:r>
+                <a:rPr lang="zh-TW" altLang="en-US" sz="3600" b="1" dirty="0">
+                  <a:solidFill>
+                    <a:srgbClr val="2F2F2F"/>
+                  </a:solidFill>
+                  <a:latin typeface="微軟正黑體" panose="020B0604030504040204" pitchFamily="34" charset="-120"/>
+                  <a:ea typeface="微軟正黑體" panose="020B0604030504040204" pitchFamily="34" charset="-120"/>
+                </a:rPr>
+                <a:t>教授</a:t>
+              </a:r>
+            </a:p>
+          </p:txBody>
+        </p:sp>
+      </p:grpSp>
     </p:spTree>
     <p:extLst>
       <p:ext uri="{BB962C8B-B14F-4D97-AF65-F5344CB8AC3E}">
@@ -3328,87 +3385,197 @@
           <a:chExt cx="0" cy="0"/>
         </a:xfrm>
       </p:grpSpPr>
-      <p:pic>
-        <p:nvPicPr>
-          <p:cNvPr id="2050" name="Picture 2" descr="https://assets.juksy.com/files/articles/77188/800x_100_w-5abe0fca5b43f.jpg"/>
-          <p:cNvPicPr>
-            <a:picLocks noChangeAspect="1" noChangeArrowheads="1"/>
-          </p:cNvPicPr>
-          <p:nvPr/>
-        </p:nvPicPr>
-        <p:blipFill>
-          <a:blip r:embed="rId2">
+      <p:grpSp>
+        <p:nvGrpSpPr>
+          <p:cNvPr id="3" name="群組 2">
             <a:extLst>
-              <a:ext uri="{28A0092B-C50C-407E-A947-70E740481C1C}">
-                <a14:useLocalDpi xmlns:a14="http://schemas.microsoft.com/office/drawing/2010/main" val="0"/>
+              <a:ext uri="{FF2B5EF4-FFF2-40B4-BE49-F238E27FC236}">
+                <a16:creationId xmlns:a16="http://schemas.microsoft.com/office/drawing/2014/main" id="{8499482E-43AB-462E-9D5C-5AAA9FCFE26D}"/>
               </a:ext>
             </a:extLst>
-          </a:blip>
-          <a:srcRect/>
-          <a:stretch>
-            <a:fillRect/>
-          </a:stretch>
-        </p:blipFill>
-        <p:spPr bwMode="auto">
+          </p:cNvPr>
+          <p:cNvGrpSpPr/>
+          <p:nvPr/>
+        </p:nvGrpSpPr>
+        <p:grpSpPr>
           <a:xfrm>
             <a:off x="155575" y="-6415088"/>
             <a:ext cx="7620000" cy="13373101"/>
+            <a:chOff x="155575" y="-6415088"/>
+            <a:chExt cx="7620000" cy="13373101"/>
           </a:xfrm>
-          <a:prstGeom prst="rect">
-            <a:avLst/>
-          </a:prstGeom>
-          <a:noFill/>
-          <a:extLst>
-            <a:ext uri="{909E8E84-426E-40DD-AFC4-6F175D3DCCD1}">
-              <a14:hiddenFill xmlns:a14="http://schemas.microsoft.com/office/drawing/2010/main">
+        </p:grpSpPr>
+        <p:pic>
+          <p:nvPicPr>
+            <p:cNvPr id="2050" name="Picture 2" descr="https://assets.juksy.com/files/articles/77188/800x_100_w-5abe0fca5b43f.jpg"/>
+            <p:cNvPicPr>
+              <a:picLocks noChangeAspect="1" noChangeArrowheads="1"/>
+            </p:cNvPicPr>
+            <p:nvPr/>
+          </p:nvPicPr>
+          <p:blipFill>
+            <a:blip r:embed="rId2">
+              <a:extLst>
+                <a:ext uri="{28A0092B-C50C-407E-A947-70E740481C1C}">
+                  <a14:useLocalDpi xmlns:a14="http://schemas.microsoft.com/office/drawing/2010/main" val="0"/>
+                </a:ext>
+              </a:extLst>
+            </a:blip>
+            <a:srcRect/>
+            <a:stretch>
+              <a:fillRect/>
+            </a:stretch>
+          </p:blipFill>
+          <p:spPr bwMode="auto">
+            <a:xfrm>
+              <a:off x="155575" y="-6415088"/>
+              <a:ext cx="7620000" cy="13373101"/>
+            </a:xfrm>
+            <a:prstGeom prst="rect">
+              <a:avLst/>
+            </a:prstGeom>
+            <a:noFill/>
+            <a:extLst>
+              <a:ext uri="{909E8E84-426E-40DD-AFC4-6F175D3DCCD1}">
+                <a14:hiddenFill xmlns:a14="http://schemas.microsoft.com/office/drawing/2010/main">
+                  <a:solidFill>
+                    <a:srgbClr val="FFFFFF"/>
+                  </a:solidFill>
+                </a14:hiddenFill>
+              </a:ext>
+            </a:extLst>
+          </p:spPr>
+        </p:pic>
+        <p:sp>
+          <p:nvSpPr>
+            <p:cNvPr id="5" name="矩形 4">
+              <a:extLst>
+                <a:ext uri="{FF2B5EF4-FFF2-40B4-BE49-F238E27FC236}">
+                  <a16:creationId xmlns:a16="http://schemas.microsoft.com/office/drawing/2014/main" id="{B41A6A2A-E48D-4456-AEF3-BAB49ADF50AA}"/>
+                </a:ext>
+              </a:extLst>
+            </p:cNvPr>
+            <p:cNvSpPr/>
+            <p:nvPr/>
+          </p:nvSpPr>
+          <p:spPr>
+            <a:xfrm>
+              <a:off x="4572000" y="-3699792"/>
+              <a:ext cx="792088" cy="1728192"/>
+            </a:xfrm>
+            <a:prstGeom prst="rect">
+              <a:avLst/>
+            </a:prstGeom>
+            <a:solidFill>
+              <a:srgbClr val="FEFEFE"/>
+            </a:solidFill>
+            <a:ln>
+              <a:noFill/>
+            </a:ln>
+          </p:spPr>
+          <p:style>
+            <a:lnRef idx="2">
+              <a:schemeClr val="accent1">
+                <a:shade val="50000"/>
+              </a:schemeClr>
+            </a:lnRef>
+            <a:fillRef idx="1">
+              <a:schemeClr val="accent1"/>
+            </a:fillRef>
+            <a:effectRef idx="0">
+              <a:schemeClr val="accent1"/>
+            </a:effectRef>
+            <a:fontRef idx="minor">
+              <a:schemeClr val="lt1"/>
+            </a:fontRef>
+          </p:style>
+          <p:txBody>
+            <a:bodyPr rtlCol="0" anchor="ctr"/>
+            <a:lstStyle/>
+            <a:p>
+              <a:pPr algn="ctr"/>
+              <a:endParaRPr lang="zh-TW" altLang="en-US"/>
+            </a:p>
+          </p:txBody>
+        </p:sp>
+        <p:sp>
+          <p:nvSpPr>
+            <p:cNvPr id="6" name="文字方塊 5">
+              <a:extLst>
+                <a:ext uri="{FF2B5EF4-FFF2-40B4-BE49-F238E27FC236}">
+                  <a16:creationId xmlns:a16="http://schemas.microsoft.com/office/drawing/2014/main" id="{D552C6A4-EAF8-4BFF-8F7D-62B2B5DE4C16}"/>
+                </a:ext>
+              </a:extLst>
+            </p:cNvPr>
+            <p:cNvSpPr txBox="1"/>
+            <p:nvPr/>
+          </p:nvSpPr>
+          <p:spPr>
+            <a:xfrm flipH="1">
+              <a:off x="4355976" y="-3915816"/>
+              <a:ext cx="1046440" cy="2376264"/>
+            </a:xfrm>
+            <a:prstGeom prst="rect">
+              <a:avLst/>
+            </a:prstGeom>
+            <a:noFill/>
+          </p:spPr>
+          <p:txBody>
+            <a:bodyPr vert="eaVert" wrap="square" rtlCol="0">
+              <a:spAutoFit/>
+            </a:bodyPr>
+            <a:lstStyle/>
+            <a:p>
+              <a:r>
+                <a:rPr lang="zh-TW" altLang="en-US" sz="2800" b="1" dirty="0">
+                  <a:solidFill>
+                    <a:srgbClr val="2F2F2F"/>
+                  </a:solidFill>
+                  <a:latin typeface="微軟正黑體" panose="020B0604030504040204" pitchFamily="34" charset="-120"/>
+                  <a:ea typeface="微軟正黑體" panose="020B0604030504040204" pitchFamily="34" charset="-120"/>
+                </a:rPr>
+                <a:t>我很想現在就</a:t>
+              </a:r>
+              <a:endParaRPr lang="en-US" altLang="zh-TW" sz="2800" b="1" dirty="0">
                 <a:solidFill>
-                  <a:srgbClr val="FFFFFF"/>
+                  <a:srgbClr val="2F2F2F"/>
                 </a:solidFill>
-              </a14:hiddenFill>
-            </a:ext>
-          </a:extLst>
-        </p:spPr>
-      </p:pic>
-      <p:sp>
-        <p:nvSpPr>
-          <p:cNvPr id="2" name="矩形 1"/>
-          <p:cNvSpPr/>
-          <p:nvPr/>
-        </p:nvSpPr>
-        <p:spPr>
-          <a:xfrm>
-            <a:off x="4572000" y="-3483768"/>
-            <a:ext cx="720080" cy="1368152"/>
-          </a:xfrm>
-          <a:prstGeom prst="rect">
-            <a:avLst/>
-          </a:prstGeom>
-        </p:spPr>
-        <p:style>
-          <a:lnRef idx="2">
-            <a:schemeClr val="accent1">
-              <a:shade val="50000"/>
-            </a:schemeClr>
-          </a:lnRef>
-          <a:fillRef idx="1">
-            <a:schemeClr val="accent1"/>
-          </a:fillRef>
-          <a:effectRef idx="0">
-            <a:schemeClr val="accent1"/>
-          </a:effectRef>
-          <a:fontRef idx="minor">
-            <a:schemeClr val="lt1"/>
-          </a:fontRef>
-        </p:style>
-        <p:txBody>
-          <a:bodyPr rtlCol="0" anchor="ctr"/>
-          <a:lstStyle/>
-          <a:p>
-            <a:pPr algn="ctr"/>
-            <a:endParaRPr lang="zh-TW" altLang="en-US"/>
-          </a:p>
-        </p:txBody>
-      </p:sp>
+                <a:latin typeface="微軟正黑體" panose="020B0604030504040204" pitchFamily="34" charset="-120"/>
+                <a:ea typeface="微軟正黑體" panose="020B0604030504040204" pitchFamily="34" charset="-120"/>
+              </a:endParaRPr>
+            </a:p>
+            <a:p>
+              <a:r>
+                <a:rPr lang="zh-TW" altLang="en-US" sz="2800" b="1" dirty="0">
+                  <a:solidFill>
+                    <a:srgbClr val="2F2F2F"/>
+                  </a:solidFill>
+                  <a:latin typeface="微軟正黑體" panose="020B0604030504040204" pitchFamily="34" charset="-120"/>
+                  <a:ea typeface="微軟正黑體" panose="020B0604030504040204" pitchFamily="34" charset="-120"/>
+                </a:rPr>
+                <a:t>畢業阿 </a:t>
+              </a:r>
+              <a:r>
+                <a:rPr lang="en-US" altLang="zh-TW" sz="2800" b="1" dirty="0">
+                  <a:solidFill>
+                    <a:srgbClr val="2F2F2F"/>
+                  </a:solidFill>
+                  <a:latin typeface="微軟正黑體" panose="020B0604030504040204" pitchFamily="34" charset="-120"/>
+                  <a:ea typeface="微軟正黑體" panose="020B0604030504040204" pitchFamily="34" charset="-120"/>
+                </a:rPr>
+                <a:t>‧ ‧ ‧</a:t>
+              </a:r>
+              <a:endParaRPr lang="zh-TW" altLang="en-US" sz="2800" b="1" dirty="0">
+                <a:solidFill>
+                  <a:srgbClr val="2F2F2F"/>
+                </a:solidFill>
+                <a:latin typeface="微軟正黑體" panose="020B0604030504040204" pitchFamily="34" charset="-120"/>
+                <a:ea typeface="微軟正黑體" panose="020B0604030504040204" pitchFamily="34" charset="-120"/>
+              </a:endParaRPr>
+            </a:p>
+          </p:txBody>
+        </p:sp>
+      </p:grpSp>
     </p:spTree>
     <p:extLst>
       <p:ext uri="{BB962C8B-B14F-4D97-AF65-F5344CB8AC3E}">
